--- a/doc/masters/esp/espArchitecture.pptx
+++ b/doc/masters/esp/espArchitecture.pptx
@@ -289,7 +289,7 @@
             <a:fld id="{94937CA8-9B62-D047-90B6-2D9EDC623E0F}" type="datetimeFigureOut">
               <a:rPr lang="en-US" smtClean="0"/>
               <a:pPr/>
-              <a:t>11/10/11</a:t>
+              <a:t>8/18/14</a:t>
             </a:fld>
             <a:endParaRPr lang="en-US"/>
           </a:p>
@@ -456,7 +456,7 @@
             <a:fld id="{94937CA8-9B62-D047-90B6-2D9EDC623E0F}" type="datetimeFigureOut">
               <a:rPr lang="en-US" smtClean="0"/>
               <a:pPr/>
-              <a:t>11/10/11</a:t>
+              <a:t>8/18/14</a:t>
             </a:fld>
             <a:endParaRPr lang="en-US"/>
           </a:p>
@@ -633,7 +633,7 @@
             <a:fld id="{94937CA8-9B62-D047-90B6-2D9EDC623E0F}" type="datetimeFigureOut">
               <a:rPr lang="en-US" smtClean="0"/>
               <a:pPr/>
-              <a:t>11/10/11</a:t>
+              <a:t>8/18/14</a:t>
             </a:fld>
             <a:endParaRPr lang="en-US"/>
           </a:p>
@@ -800,7 +800,7 @@
             <a:fld id="{94937CA8-9B62-D047-90B6-2D9EDC623E0F}" type="datetimeFigureOut">
               <a:rPr lang="en-US" smtClean="0"/>
               <a:pPr/>
-              <a:t>11/10/11</a:t>
+              <a:t>8/18/14</a:t>
             </a:fld>
             <a:endParaRPr lang="en-US"/>
           </a:p>
@@ -1043,7 +1043,7 @@
             <a:fld id="{94937CA8-9B62-D047-90B6-2D9EDC623E0F}" type="datetimeFigureOut">
               <a:rPr lang="en-US" smtClean="0"/>
               <a:pPr/>
-              <a:t>11/10/11</a:t>
+              <a:t>8/18/14</a:t>
             </a:fld>
             <a:endParaRPr lang="en-US"/>
           </a:p>
@@ -1328,7 +1328,7 @@
             <a:fld id="{94937CA8-9B62-D047-90B6-2D9EDC623E0F}" type="datetimeFigureOut">
               <a:rPr lang="en-US" smtClean="0"/>
               <a:pPr/>
-              <a:t>11/10/11</a:t>
+              <a:t>8/18/14</a:t>
             </a:fld>
             <a:endParaRPr lang="en-US"/>
           </a:p>
@@ -1747,7 +1747,7 @@
             <a:fld id="{94937CA8-9B62-D047-90B6-2D9EDC623E0F}" type="datetimeFigureOut">
               <a:rPr lang="en-US" smtClean="0"/>
               <a:pPr/>
-              <a:t>11/10/11</a:t>
+              <a:t>8/18/14</a:t>
             </a:fld>
             <a:endParaRPr lang="en-US"/>
           </a:p>
@@ -1862,7 +1862,7 @@
             <a:fld id="{94937CA8-9B62-D047-90B6-2D9EDC623E0F}" type="datetimeFigureOut">
               <a:rPr lang="en-US" smtClean="0"/>
               <a:pPr/>
-              <a:t>11/10/11</a:t>
+              <a:t>8/18/14</a:t>
             </a:fld>
             <a:endParaRPr lang="en-US"/>
           </a:p>
@@ -1954,7 +1954,7 @@
             <a:fld id="{94937CA8-9B62-D047-90B6-2D9EDC623E0F}" type="datetimeFigureOut">
               <a:rPr lang="en-US" smtClean="0"/>
               <a:pPr/>
-              <a:t>11/10/11</a:t>
+              <a:t>8/18/14</a:t>
             </a:fld>
             <a:endParaRPr lang="en-US"/>
           </a:p>
@@ -2228,7 +2228,7 @@
             <a:fld id="{94937CA8-9B62-D047-90B6-2D9EDC623E0F}" type="datetimeFigureOut">
               <a:rPr lang="en-US" smtClean="0"/>
               <a:pPr/>
-              <a:t>11/10/11</a:t>
+              <a:t>8/18/14</a:t>
             </a:fld>
             <a:endParaRPr lang="en-US"/>
           </a:p>
@@ -2478,7 +2478,7 @@
             <a:fld id="{94937CA8-9B62-D047-90B6-2D9EDC623E0F}" type="datetimeFigureOut">
               <a:rPr lang="en-US" smtClean="0"/>
               <a:pPr/>
-              <a:t>11/10/11</a:t>
+              <a:t>8/18/14</a:t>
             </a:fld>
             <a:endParaRPr lang="en-US"/>
           </a:p>
@@ -2688,7 +2688,7 @@
             <a:fld id="{94937CA8-9B62-D047-90B6-2D9EDC623E0F}" type="datetimeFigureOut">
               <a:rPr lang="en-US" smtClean="0"/>
               <a:pPr/>
-              <a:t>11/10/11</a:t>
+              <a:t>8/18/14</a:t>
             </a:fld>
             <a:endParaRPr lang="en-US"/>
           </a:p>
